--- a/presentations/Take_image_and_vide_in_colab.pptx
+++ b/presentations/Take_image_and_vide_in_colab.pptx
@@ -334,7 +334,7 @@
               <a:pPr>
                 <a:defRPr/>
               </a:pPr>
-              <a:t>28/03/2021</a:t>
+              <a:t>05/04/2021</a:t>
             </a:fld>
             <a:endParaRPr lang="en-US"/>
           </a:p>
@@ -633,7 +633,7 @@
               <a:pPr>
                 <a:defRPr/>
               </a:pPr>
-              <a:t>28/03/2021</a:t>
+              <a:t>05/04/2021</a:t>
             </a:fld>
             <a:endParaRPr lang="es-ES"/>
           </a:p>
@@ -11489,57 +11489,6 @@
       </p:pic>
       <p:sp>
         <p:nvSpPr>
-          <p:cNvPr id="8" name="Rectángulo 7"/>
-          <p:cNvSpPr/>
-          <p:nvPr/>
-        </p:nvSpPr>
-        <p:spPr>
-          <a:xfrm>
-            <a:off x="1371600" y="3300663"/>
-            <a:ext cx="7772400" cy="646331"/>
-          </a:xfrm>
-          <a:prstGeom prst="rect">
-            <a:avLst/>
-          </a:prstGeom>
-          <a:solidFill>
-            <a:schemeClr val="accent2"/>
-          </a:solidFill>
-        </p:spPr>
-        <p:txBody>
-          <a:bodyPr wrap="square">
-            <a:spAutoFit/>
-          </a:bodyPr>
-          <a:lstStyle/>
-          <a:p>
-            <a:r>
-              <a:rPr lang="es-ES" b="1" dirty="0" smtClean="0"/>
-              <a:t>Notebooks: </a:t>
-            </a:r>
-            <a:r>
-              <a:rPr lang="es-ES" b="1" dirty="0" err="1"/>
-              <a:t>take_image_from_webcam_as_numpy_array.ipynb</a:t>
-            </a:r>
-            <a:endParaRPr lang="es-ES" dirty="0"/>
-          </a:p>
-          <a:p>
-            <a:r>
-              <a:rPr lang="es-ES" b="1" dirty="0" smtClean="0"/>
-              <a:t> 	    </a:t>
-            </a:r>
-            <a:r>
-              <a:rPr lang="es-ES" b="1" dirty="0" err="1" smtClean="0"/>
-              <a:t>take_video_from_webcam_in_colab.ipynb</a:t>
-            </a:r>
-            <a:r>
-              <a:rPr lang="es-ES" b="1" dirty="0" smtClean="0"/>
-              <a:t>	 </a:t>
-            </a:r>
-            <a:endParaRPr lang="es-ES" b="1" dirty="0"/>
-          </a:p>
-        </p:txBody>
-      </p:sp>
-      <p:sp>
-        <p:nvSpPr>
           <p:cNvPr id="10" name="Rectángulo 9"/>
           <p:cNvSpPr/>
           <p:nvPr/>
